--- a/uke_4/slides/aws-sqs-sns.pptx
+++ b/uke_4/slides/aws-sqs-sns.pptx
@@ -228,7 +228,7 @@
           <a:p>
             <a:fld id="{D2B9E9F1-0B31-7C42-8FFA-24EEB5345660}" type="datetimeFigureOut">
               <a:rPr lang="en-NO" smtClean="0"/>
-              <a:t>20/12/2024</a:t>
+              <a:t>23/01/2025</a:t>
             </a:fld>
             <a:endParaRPr lang="en-NO"/>
           </a:p>
@@ -625,7 +625,7 @@
           <a:p>
             <a:fld id="{2E405B87-0B1C-464B-928F-AA5E9D282D70}" type="datetimeFigureOut">
               <a:rPr lang="en-US" smtClean="0"/>
-              <a:t>12/20/24</a:t>
+              <a:t>1/23/25</a:t>
             </a:fld>
             <a:endParaRPr lang="en-US"/>
           </a:p>
@@ -959,7 +959,7 @@
           <a:p>
             <a:fld id="{2E405B87-0B1C-464B-928F-AA5E9D282D70}" type="datetimeFigureOut">
               <a:rPr lang="en-US" smtClean="0"/>
-              <a:t>12/20/24</a:t>
+              <a:t>1/23/25</a:t>
             </a:fld>
             <a:endParaRPr lang="en-US"/>
           </a:p>
@@ -1408,7 +1408,7 @@
           <a:p>
             <a:fld id="{2E405B87-0B1C-464B-928F-AA5E9D282D70}" type="datetimeFigureOut">
               <a:rPr lang="en-US" smtClean="0"/>
-              <a:t>12/20/24</a:t>
+              <a:t>1/23/25</a:t>
             </a:fld>
             <a:endParaRPr lang="en-US"/>
           </a:p>
@@ -2082,7 +2082,7 @@
           <a:p>
             <a:fld id="{2E405B87-0B1C-464B-928F-AA5E9D282D70}" type="datetimeFigureOut">
               <a:rPr lang="en-US" smtClean="0"/>
-              <a:t>12/20/24</a:t>
+              <a:t>1/23/25</a:t>
             </a:fld>
             <a:endParaRPr lang="en-US"/>
           </a:p>
@@ -2316,7 +2316,7 @@
           <a:p>
             <a:fld id="{2E405B87-0B1C-464B-928F-AA5E9D282D70}" type="datetimeFigureOut">
               <a:rPr lang="en-US" smtClean="0"/>
-              <a:t>12/20/24</a:t>
+              <a:t>1/23/25</a:t>
             </a:fld>
             <a:endParaRPr lang="en-US"/>
           </a:p>
@@ -2874,7 +2874,7 @@
           <a:p>
             <a:fld id="{2E405B87-0B1C-464B-928F-AA5E9D282D70}" type="datetimeFigureOut">
               <a:rPr lang="en-US" smtClean="0"/>
-              <a:t>12/20/24</a:t>
+              <a:t>1/23/25</a:t>
             </a:fld>
             <a:endParaRPr lang="en-US"/>
           </a:p>
@@ -3750,7 +3750,7 @@
           <a:p>
             <a:fld id="{2E405B87-0B1C-464B-928F-AA5E9D282D70}" type="datetimeFigureOut">
               <a:rPr lang="en-US" smtClean="0"/>
-              <a:t>12/20/24</a:t>
+              <a:t>1/23/25</a:t>
             </a:fld>
             <a:endParaRPr lang="en-US"/>
           </a:p>
@@ -4461,7 +4461,7 @@
           <a:p>
             <a:fld id="{2E405B87-0B1C-464B-928F-AA5E9D282D70}" type="datetimeFigureOut">
               <a:rPr lang="en-US" smtClean="0"/>
-              <a:t>12/20/24</a:t>
+              <a:t>1/23/25</a:t>
             </a:fld>
             <a:endParaRPr lang="en-US"/>
           </a:p>
@@ -4695,7 +4695,7 @@
           <a:p>
             <a:fld id="{2E405B87-0B1C-464B-928F-AA5E9D282D70}" type="datetimeFigureOut">
               <a:rPr lang="en-US" smtClean="0"/>
-              <a:t>12/20/24</a:t>
+              <a:t>1/23/25</a:t>
             </a:fld>
             <a:endParaRPr lang="en-US"/>
           </a:p>
@@ -5401,7 +5401,7 @@
           <a:p>
             <a:fld id="{2E405B87-0B1C-464B-928F-AA5E9D282D70}" type="datetimeFigureOut">
               <a:rPr lang="en-US" smtClean="0"/>
-              <a:t>12/20/24</a:t>
+              <a:t>1/23/25</a:t>
             </a:fld>
             <a:endParaRPr lang="en-US"/>
           </a:p>
@@ -5874,7 +5874,7 @@
           <a:p>
             <a:fld id="{2E405B87-0B1C-464B-928F-AA5E9D282D70}" type="datetimeFigureOut">
               <a:rPr lang="en-US" smtClean="0"/>
-              <a:t>12/20/24</a:t>
+              <a:t>1/23/25</a:t>
             </a:fld>
             <a:endParaRPr lang="en-US"/>
           </a:p>
@@ -6258,7 +6258,7 @@
           <a:p>
             <a:fld id="{2E405B87-0B1C-464B-928F-AA5E9D282D70}" type="datetimeFigureOut">
               <a:rPr lang="en-US" smtClean="0"/>
-              <a:t>12/20/24</a:t>
+              <a:t>1/23/25</a:t>
             </a:fld>
             <a:endParaRPr lang="en-US"/>
           </a:p>
@@ -6666,7 +6666,7 @@
           <a:p>
             <a:fld id="{2E405B87-0B1C-464B-928F-AA5E9D282D70}" type="datetimeFigureOut">
               <a:rPr lang="en-US" smtClean="0"/>
-              <a:t>12/20/24</a:t>
+              <a:t>1/23/25</a:t>
             </a:fld>
             <a:endParaRPr lang="en-US"/>
           </a:p>
@@ -6962,7 +6962,7 @@
           <a:p>
             <a:fld id="{2E405B87-0B1C-464B-928F-AA5E9D282D70}" type="datetimeFigureOut">
               <a:rPr lang="en-US" smtClean="0"/>
-              <a:t>12/20/24</a:t>
+              <a:t>1/23/25</a:t>
             </a:fld>
             <a:endParaRPr lang="en-US"/>
           </a:p>
@@ -7411,7 +7411,7 @@
           <a:p>
             <a:fld id="{2E405B87-0B1C-464B-928F-AA5E9D282D70}" type="datetimeFigureOut">
               <a:rPr lang="en-US" smtClean="0"/>
-              <a:t>12/20/24</a:t>
+              <a:t>1/23/25</a:t>
             </a:fld>
             <a:endParaRPr lang="en-US"/>
           </a:p>
@@ -8109,7 +8109,7 @@
           <a:p>
             <a:fld id="{2E405B87-0B1C-464B-928F-AA5E9D282D70}" type="datetimeFigureOut">
               <a:rPr lang="en-US" smtClean="0"/>
-              <a:t>12/20/24</a:t>
+              <a:t>1/23/25</a:t>
             </a:fld>
             <a:endParaRPr lang="en-US"/>
           </a:p>
@@ -8803,7 +8803,7 @@
           <a:p>
             <a:fld id="{2E405B87-0B1C-464B-928F-AA5E9D282D70}" type="datetimeFigureOut">
               <a:rPr lang="en-US" smtClean="0"/>
-              <a:t>12/20/24</a:t>
+              <a:t>1/23/25</a:t>
             </a:fld>
             <a:endParaRPr lang="en-US"/>
           </a:p>
@@ -9211,7 +9211,7 @@
           <a:p>
             <a:fld id="{2E405B87-0B1C-464B-928F-AA5E9D282D70}" type="datetimeFigureOut">
               <a:rPr lang="en-US" smtClean="0"/>
-              <a:t>12/20/24</a:t>
+              <a:t>1/23/25</a:t>
             </a:fld>
             <a:endParaRPr lang="en-US"/>
           </a:p>
@@ -9422,7 +9422,7 @@
           <a:p>
             <a:fld id="{2E405B87-0B1C-464B-928F-AA5E9D282D70}" type="datetimeFigureOut">
               <a:rPr lang="en-US" smtClean="0"/>
-              <a:t>12/20/24</a:t>
+              <a:t>1/23/25</a:t>
             </a:fld>
             <a:endParaRPr lang="en-US"/>
           </a:p>
@@ -10006,7 +10006,7 @@
           <a:p>
             <a:fld id="{2E405B87-0B1C-464B-928F-AA5E9D282D70}" type="datetimeFigureOut">
               <a:rPr lang="en-US" smtClean="0"/>
-              <a:t>12/20/24</a:t>
+              <a:t>1/23/25</a:t>
             </a:fld>
             <a:endParaRPr lang="en-US"/>
           </a:p>
@@ -10590,7 +10590,7 @@
           <a:p>
             <a:fld id="{2E405B87-0B1C-464B-928F-AA5E9D282D70}" type="datetimeFigureOut">
               <a:rPr lang="en-US" smtClean="0"/>
-              <a:t>12/20/24</a:t>
+              <a:t>1/23/25</a:t>
             </a:fld>
             <a:endParaRPr lang="en-US"/>
           </a:p>
@@ -11174,7 +11174,7 @@
           <a:p>
             <a:fld id="{2E405B87-0B1C-464B-928F-AA5E9D282D70}" type="datetimeFigureOut">
               <a:rPr lang="en-US" smtClean="0"/>
-              <a:t>12/20/24</a:t>
+              <a:t>1/23/25</a:t>
             </a:fld>
             <a:endParaRPr lang="en-US"/>
           </a:p>
@@ -11758,7 +11758,7 @@
           <a:p>
             <a:fld id="{2E405B87-0B1C-464B-928F-AA5E9D282D70}" type="datetimeFigureOut">
               <a:rPr lang="en-US" smtClean="0"/>
-              <a:t>12/20/24</a:t>
+              <a:t>1/23/25</a:t>
             </a:fld>
             <a:endParaRPr lang="en-US"/>
           </a:p>
@@ -12342,7 +12342,7 @@
           <a:p>
             <a:fld id="{2E405B87-0B1C-464B-928F-AA5E9D282D70}" type="datetimeFigureOut">
               <a:rPr lang="en-US" smtClean="0"/>
-              <a:t>12/20/24</a:t>
+              <a:t>1/23/25</a:t>
             </a:fld>
             <a:endParaRPr lang="en-US"/>
           </a:p>
@@ -12926,7 +12926,7 @@
           <a:p>
             <a:fld id="{2E405B87-0B1C-464B-928F-AA5E9D282D70}" type="datetimeFigureOut">
               <a:rPr lang="en-US" smtClean="0"/>
-              <a:t>12/20/24</a:t>
+              <a:t>1/23/25</a:t>
             </a:fld>
             <a:endParaRPr lang="en-US"/>
           </a:p>
@@ -13510,7 +13510,7 @@
           <a:p>
             <a:fld id="{2E405B87-0B1C-464B-928F-AA5E9D282D70}" type="datetimeFigureOut">
               <a:rPr lang="en-US" smtClean="0"/>
-              <a:t>12/20/24</a:t>
+              <a:t>1/23/25</a:t>
             </a:fld>
             <a:endParaRPr lang="en-US"/>
           </a:p>
@@ -14096,7 +14096,7 @@
           <a:p>
             <a:fld id="{2E405B87-0B1C-464B-928F-AA5E9D282D70}" type="datetimeFigureOut">
               <a:rPr lang="en-US" smtClean="0"/>
-              <a:t>12/20/24</a:t>
+              <a:t>1/23/25</a:t>
             </a:fld>
             <a:endParaRPr lang="en-US"/>
           </a:p>
@@ -14680,7 +14680,7 @@
           <a:p>
             <a:fld id="{2E405B87-0B1C-464B-928F-AA5E9D282D70}" type="datetimeFigureOut">
               <a:rPr lang="en-US" smtClean="0"/>
-              <a:t>12/20/24</a:t>
+              <a:t>1/23/25</a:t>
             </a:fld>
             <a:endParaRPr lang="en-US"/>
           </a:p>
@@ -15264,7 +15264,7 @@
           <a:p>
             <a:fld id="{2E405B87-0B1C-464B-928F-AA5E9D282D70}" type="datetimeFigureOut">
               <a:rPr lang="en-US" smtClean="0"/>
-              <a:t>12/20/24</a:t>
+              <a:t>1/23/25</a:t>
             </a:fld>
             <a:endParaRPr lang="en-US"/>
           </a:p>
@@ -15848,7 +15848,7 @@
           <a:p>
             <a:fld id="{2E405B87-0B1C-464B-928F-AA5E9D282D70}" type="datetimeFigureOut">
               <a:rPr lang="en-US" smtClean="0"/>
-              <a:t>12/20/24</a:t>
+              <a:t>1/23/25</a:t>
             </a:fld>
             <a:endParaRPr lang="en-US"/>
           </a:p>
@@ -16432,7 +16432,7 @@
           <a:p>
             <a:fld id="{2E405B87-0B1C-464B-928F-AA5E9D282D70}" type="datetimeFigureOut">
               <a:rPr lang="en-US" smtClean="0"/>
-              <a:t>12/20/24</a:t>
+              <a:t>1/23/25</a:t>
             </a:fld>
             <a:endParaRPr lang="en-US"/>
           </a:p>
@@ -17016,7 +17016,7 @@
           <a:p>
             <a:fld id="{2E405B87-0B1C-464B-928F-AA5E9D282D70}" type="datetimeFigureOut">
               <a:rPr lang="en-US" smtClean="0"/>
-              <a:t>12/20/24</a:t>
+              <a:t>1/23/25</a:t>
             </a:fld>
             <a:endParaRPr lang="en-US"/>
           </a:p>
@@ -17600,7 +17600,7 @@
           <a:p>
             <a:fld id="{2E405B87-0B1C-464B-928F-AA5E9D282D70}" type="datetimeFigureOut">
               <a:rPr lang="en-US" smtClean="0"/>
-              <a:t>12/20/24</a:t>
+              <a:t>1/23/25</a:t>
             </a:fld>
             <a:endParaRPr lang="en-US"/>
           </a:p>
@@ -18184,7 +18184,7 @@
           <a:p>
             <a:fld id="{2E405B87-0B1C-464B-928F-AA5E9D282D70}" type="datetimeFigureOut">
               <a:rPr lang="en-US" smtClean="0"/>
-              <a:t>12/20/24</a:t>
+              <a:t>1/23/25</a:t>
             </a:fld>
             <a:endParaRPr lang="en-US"/>
           </a:p>
@@ -19476,898 +19476,6 @@
           </a:p>
         </p:txBody>
       </p:sp>
-      <p:sp>
-        <p:nvSpPr>
-          <p:cNvPr id="4" name="Content Placeholder 9">
-            <a:extLst>
-              <a:ext uri="{FF2B5EF4-FFF2-40B4-BE49-F238E27FC236}">
-                <a16:creationId xmlns:a16="http://schemas.microsoft.com/office/drawing/2014/main" id="{CDF54A4B-FA69-4AC9-6A6A-F1EB6ECDE920}"/>
-              </a:ext>
-            </a:extLst>
-          </p:cNvPr>
-          <p:cNvSpPr txBox="1">
-            <a:spLocks/>
-          </p:cNvSpPr>
-          <p:nvPr>
-            <p:custDataLst>
-              <p:tags r:id="rId11"/>
-            </p:custDataLst>
-          </p:nvPr>
-        </p:nvSpPr>
-        <p:spPr>
-          <a:xfrm>
-            <a:off x="605270" y="4715273"/>
-            <a:ext cx="2642616" cy="1366745"/>
-          </a:xfrm>
-          <a:prstGeom prst="rect">
-            <a:avLst/>
-          </a:prstGeom>
-        </p:spPr>
-        <p:txBody>
-          <a:bodyPr vert="horz" lIns="91440" tIns="45720" rIns="91440" bIns="45720" rtlCol="0">
-            <a:normAutofit/>
-          </a:bodyPr>
-          <a:lstStyle>
-            <a:lvl1pPr marL="296863" indent="-285750" algn="l" defTabSz="914377" rtl="0" eaLnBrk="1" latinLnBrk="0" hangingPunct="1">
-              <a:lnSpc>
-                <a:spcPct val="150000"/>
-              </a:lnSpc>
-              <a:spcBef>
-                <a:spcPts val="1200"/>
-              </a:spcBef>
-              <a:buFont typeface="Arial" panose="020B0604020202020204" pitchFamily="34" charset="0"/>
-              <a:buChar char="•"/>
-              <a:tabLst/>
-              <a:defRPr sz="1600" kern="1200">
-                <a:solidFill>
-                  <a:schemeClr val="tx1"/>
-                </a:solidFill>
-                <a:latin typeface="Franklin Gothic Book" panose="020B0503020102020204" pitchFamily="34" charset="0"/>
-                <a:ea typeface="+mn-ea"/>
-                <a:cs typeface="Arial" panose="020B0604020202020204" pitchFamily="34" charset="0"/>
-              </a:defRPr>
-            </a:lvl1pPr>
-            <a:lvl2pPr marL="628650" indent="-285750" algn="l" defTabSz="914377" rtl="0" eaLnBrk="1" latinLnBrk="0" hangingPunct="1">
-              <a:lnSpc>
-                <a:spcPct val="150000"/>
-              </a:lnSpc>
-              <a:spcBef>
-                <a:spcPts val="1200"/>
-              </a:spcBef>
-              <a:buFont typeface="Arial" panose="020B0604020202020204" pitchFamily="34" charset="0"/>
-              <a:buChar char="•"/>
-              <a:tabLst/>
-              <a:defRPr sz="1600" kern="1200">
-                <a:solidFill>
-                  <a:schemeClr val="tx1"/>
-                </a:solidFill>
-                <a:latin typeface="Franklin Gothic Book" panose="020B0503020102020204" pitchFamily="34" charset="0"/>
-                <a:ea typeface="+mn-ea"/>
-                <a:cs typeface="Arial" panose="020B0604020202020204" pitchFamily="34" charset="0"/>
-              </a:defRPr>
-            </a:lvl2pPr>
-            <a:lvl3pPr marL="1085850" indent="-285750" algn="l" defTabSz="914377" rtl="0" eaLnBrk="1" latinLnBrk="0" hangingPunct="1">
-              <a:lnSpc>
-                <a:spcPct val="150000"/>
-              </a:lnSpc>
-              <a:spcBef>
-                <a:spcPts val="1200"/>
-              </a:spcBef>
-              <a:buFont typeface="Arial" panose="020B0604020202020204" pitchFamily="34" charset="0"/>
-              <a:buChar char="•"/>
-              <a:tabLst/>
-              <a:defRPr sz="1600" kern="1200">
-                <a:solidFill>
-                  <a:schemeClr val="tx1"/>
-                </a:solidFill>
-                <a:latin typeface="Franklin Gothic Book" panose="020B0503020102020204" pitchFamily="34" charset="0"/>
-                <a:ea typeface="+mn-ea"/>
-                <a:cs typeface="Arial" panose="020B0604020202020204" pitchFamily="34" charset="0"/>
-              </a:defRPr>
-            </a:lvl3pPr>
-            <a:lvl4pPr marL="1543050" indent="-285750" algn="l" defTabSz="914377" rtl="0" eaLnBrk="1" latinLnBrk="0" hangingPunct="1">
-              <a:lnSpc>
-                <a:spcPct val="150000"/>
-              </a:lnSpc>
-              <a:spcBef>
-                <a:spcPts val="1200"/>
-              </a:spcBef>
-              <a:buFont typeface="Arial" panose="020B0604020202020204" pitchFamily="34" charset="0"/>
-              <a:buChar char="•"/>
-              <a:tabLst/>
-              <a:defRPr sz="1600" kern="1200">
-                <a:solidFill>
-                  <a:schemeClr val="tx1"/>
-                </a:solidFill>
-                <a:latin typeface="Franklin Gothic Book" panose="020B0503020102020204" pitchFamily="34" charset="0"/>
-                <a:ea typeface="+mn-ea"/>
-                <a:cs typeface="Arial" panose="020B0604020202020204" pitchFamily="34" charset="0"/>
-              </a:defRPr>
-            </a:lvl4pPr>
-            <a:lvl5pPr marL="2001838" indent="-285750" algn="l" defTabSz="914377" rtl="0" eaLnBrk="1" latinLnBrk="0" hangingPunct="1">
-              <a:lnSpc>
-                <a:spcPct val="150000"/>
-              </a:lnSpc>
-              <a:spcBef>
-                <a:spcPts val="1200"/>
-              </a:spcBef>
-              <a:buFont typeface="Arial" panose="020B0604020202020204" pitchFamily="34" charset="0"/>
-              <a:buChar char="•"/>
-              <a:tabLst/>
-              <a:defRPr sz="1600" kern="1200">
-                <a:solidFill>
-                  <a:schemeClr val="tx1"/>
-                </a:solidFill>
-                <a:latin typeface="Franklin Gothic Book" panose="020B0503020102020204" pitchFamily="34" charset="0"/>
-                <a:ea typeface="+mn-ea"/>
-                <a:cs typeface="Arial" panose="020B0604020202020204" pitchFamily="34" charset="0"/>
-              </a:defRPr>
-            </a:lvl5pPr>
-            <a:lvl6pPr marL="2514537" indent="-228594" algn="l" defTabSz="914377" rtl="0" eaLnBrk="1" latinLnBrk="0" hangingPunct="1">
-              <a:lnSpc>
-                <a:spcPct val="90000"/>
-              </a:lnSpc>
-              <a:spcBef>
-                <a:spcPts val="500"/>
-              </a:spcBef>
-              <a:buFont typeface="Arial" panose="020B0604020202020204" pitchFamily="34" charset="0"/>
-              <a:buChar char="•"/>
-              <a:defRPr sz="1800" kern="1200">
-                <a:solidFill>
-                  <a:schemeClr val="tx1"/>
-                </a:solidFill>
-                <a:latin typeface="+mn-lt"/>
-                <a:ea typeface="+mn-ea"/>
-                <a:cs typeface="+mn-cs"/>
-              </a:defRPr>
-            </a:lvl6pPr>
-            <a:lvl7pPr marL="2971726" indent="-228594" algn="l" defTabSz="914377" rtl="0" eaLnBrk="1" latinLnBrk="0" hangingPunct="1">
-              <a:lnSpc>
-                <a:spcPct val="90000"/>
-              </a:lnSpc>
-              <a:spcBef>
-                <a:spcPts val="500"/>
-              </a:spcBef>
-              <a:buFont typeface="Arial" panose="020B0604020202020204" pitchFamily="34" charset="0"/>
-              <a:buChar char="•"/>
-              <a:defRPr sz="1800" kern="1200">
-                <a:solidFill>
-                  <a:schemeClr val="tx1"/>
-                </a:solidFill>
-                <a:latin typeface="+mn-lt"/>
-                <a:ea typeface="+mn-ea"/>
-                <a:cs typeface="+mn-cs"/>
-              </a:defRPr>
-            </a:lvl7pPr>
-            <a:lvl8pPr marL="3428914" indent="-228594" algn="l" defTabSz="914377" rtl="0" eaLnBrk="1" latinLnBrk="0" hangingPunct="1">
-              <a:lnSpc>
-                <a:spcPct val="90000"/>
-              </a:lnSpc>
-              <a:spcBef>
-                <a:spcPts val="500"/>
-              </a:spcBef>
-              <a:buFont typeface="Arial" panose="020B0604020202020204" pitchFamily="34" charset="0"/>
-              <a:buChar char="•"/>
-              <a:defRPr sz="1800" kern="1200">
-                <a:solidFill>
-                  <a:schemeClr val="tx1"/>
-                </a:solidFill>
-                <a:latin typeface="+mn-lt"/>
-                <a:ea typeface="+mn-ea"/>
-                <a:cs typeface="+mn-cs"/>
-              </a:defRPr>
-            </a:lvl8pPr>
-            <a:lvl9pPr marL="3886103" indent="-228594" algn="l" defTabSz="914377" rtl="0" eaLnBrk="1" latinLnBrk="0" hangingPunct="1">
-              <a:lnSpc>
-                <a:spcPct val="90000"/>
-              </a:lnSpc>
-              <a:spcBef>
-                <a:spcPts val="500"/>
-              </a:spcBef>
-              <a:buFont typeface="Arial" panose="020B0604020202020204" pitchFamily="34" charset="0"/>
-              <a:buChar char="•"/>
-              <a:defRPr sz="1800" kern="1200">
-                <a:solidFill>
-                  <a:schemeClr val="tx1"/>
-                </a:solidFill>
-                <a:latin typeface="+mn-lt"/>
-                <a:ea typeface="+mn-ea"/>
-                <a:cs typeface="+mn-cs"/>
-              </a:defRPr>
-            </a:lvl9pPr>
-          </a:lstStyle>
-          <a:p>
-            <a:pPr marL="11113" indent="0">
-              <a:lnSpc>
-                <a:spcPct val="120000"/>
-              </a:lnSpc>
-              <a:spcBef>
-                <a:spcPts val="0"/>
-              </a:spcBef>
-              <a:buNone/>
-            </a:pPr>
-            <a:r>
-              <a:rPr lang="en-US" sz="1400">
-                <a:solidFill>
-                  <a:schemeClr val="tx2"/>
-                </a:solidFill>
-                <a:latin typeface="+mn-lt"/>
-              </a:rPr>
-              <a:t>Diagram av SQS-arkitektur
-Visualisering av systemforhold</a:t>
-            </a:r>
-          </a:p>
-        </p:txBody>
-      </p:sp>
-      <p:sp>
-        <p:nvSpPr>
-          <p:cNvPr id="5" name="Content Placeholder 10">
-            <a:extLst>
-              <a:ext uri="{FF2B5EF4-FFF2-40B4-BE49-F238E27FC236}">
-                <a16:creationId xmlns:a16="http://schemas.microsoft.com/office/drawing/2014/main" id="{D755EE44-C77F-5536-E756-39C8886586B6}"/>
-              </a:ext>
-            </a:extLst>
-          </p:cNvPr>
-          <p:cNvSpPr txBox="1">
-            <a:spLocks/>
-          </p:cNvSpPr>
-          <p:nvPr>
-            <p:custDataLst>
-              <p:tags r:id="rId12"/>
-            </p:custDataLst>
-          </p:nvPr>
-        </p:nvSpPr>
-        <p:spPr>
-          <a:xfrm>
-            <a:off x="3381998" y="4715273"/>
-            <a:ext cx="2642616" cy="1366745"/>
-          </a:xfrm>
-          <a:prstGeom prst="rect">
-            <a:avLst/>
-          </a:prstGeom>
-        </p:spPr>
-        <p:txBody>
-          <a:bodyPr vert="horz" lIns="91440" tIns="45720" rIns="91440" bIns="45720" rtlCol="0">
-            <a:normAutofit/>
-          </a:bodyPr>
-          <a:lstStyle>
-            <a:lvl1pPr marL="296863" indent="-285750" algn="l" defTabSz="914377" rtl="0" eaLnBrk="1" latinLnBrk="0" hangingPunct="1">
-              <a:lnSpc>
-                <a:spcPct val="150000"/>
-              </a:lnSpc>
-              <a:spcBef>
-                <a:spcPts val="1200"/>
-              </a:spcBef>
-              <a:buFont typeface="Arial" panose="020B0604020202020204" pitchFamily="34" charset="0"/>
-              <a:buChar char="•"/>
-              <a:tabLst/>
-              <a:defRPr sz="1600" kern="1200">
-                <a:solidFill>
-                  <a:schemeClr val="tx1"/>
-                </a:solidFill>
-                <a:latin typeface="Franklin Gothic Book" panose="020B0503020102020204" pitchFamily="34" charset="0"/>
-                <a:ea typeface="+mn-ea"/>
-                <a:cs typeface="Arial" panose="020B0604020202020204" pitchFamily="34" charset="0"/>
-              </a:defRPr>
-            </a:lvl1pPr>
-            <a:lvl2pPr marL="628650" indent="-285750" algn="l" defTabSz="914377" rtl="0" eaLnBrk="1" latinLnBrk="0" hangingPunct="1">
-              <a:lnSpc>
-                <a:spcPct val="150000"/>
-              </a:lnSpc>
-              <a:spcBef>
-                <a:spcPts val="1200"/>
-              </a:spcBef>
-              <a:buFont typeface="Arial" panose="020B0604020202020204" pitchFamily="34" charset="0"/>
-              <a:buChar char="•"/>
-              <a:tabLst/>
-              <a:defRPr sz="1600" kern="1200">
-                <a:solidFill>
-                  <a:schemeClr val="tx1"/>
-                </a:solidFill>
-                <a:latin typeface="Franklin Gothic Book" panose="020B0503020102020204" pitchFamily="34" charset="0"/>
-                <a:ea typeface="+mn-ea"/>
-                <a:cs typeface="Arial" panose="020B0604020202020204" pitchFamily="34" charset="0"/>
-              </a:defRPr>
-            </a:lvl2pPr>
-            <a:lvl3pPr marL="1085850" indent="-285750" algn="l" defTabSz="914377" rtl="0" eaLnBrk="1" latinLnBrk="0" hangingPunct="1">
-              <a:lnSpc>
-                <a:spcPct val="150000"/>
-              </a:lnSpc>
-              <a:spcBef>
-                <a:spcPts val="1200"/>
-              </a:spcBef>
-              <a:buFont typeface="Arial" panose="020B0604020202020204" pitchFamily="34" charset="0"/>
-              <a:buChar char="•"/>
-              <a:tabLst/>
-              <a:defRPr sz="1600" kern="1200">
-                <a:solidFill>
-                  <a:schemeClr val="tx1"/>
-                </a:solidFill>
-                <a:latin typeface="Franklin Gothic Book" panose="020B0503020102020204" pitchFamily="34" charset="0"/>
-                <a:ea typeface="+mn-ea"/>
-                <a:cs typeface="Arial" panose="020B0604020202020204" pitchFamily="34" charset="0"/>
-              </a:defRPr>
-            </a:lvl3pPr>
-            <a:lvl4pPr marL="1543050" indent="-285750" algn="l" defTabSz="914377" rtl="0" eaLnBrk="1" latinLnBrk="0" hangingPunct="1">
-              <a:lnSpc>
-                <a:spcPct val="150000"/>
-              </a:lnSpc>
-              <a:spcBef>
-                <a:spcPts val="1200"/>
-              </a:spcBef>
-              <a:buFont typeface="Arial" panose="020B0604020202020204" pitchFamily="34" charset="0"/>
-              <a:buChar char="•"/>
-              <a:tabLst/>
-              <a:defRPr sz="1600" kern="1200">
-                <a:solidFill>
-                  <a:schemeClr val="tx1"/>
-                </a:solidFill>
-                <a:latin typeface="Franklin Gothic Book" panose="020B0503020102020204" pitchFamily="34" charset="0"/>
-                <a:ea typeface="+mn-ea"/>
-                <a:cs typeface="Arial" panose="020B0604020202020204" pitchFamily="34" charset="0"/>
-              </a:defRPr>
-            </a:lvl4pPr>
-            <a:lvl5pPr marL="2001838" indent="-285750" algn="l" defTabSz="914377" rtl="0" eaLnBrk="1" latinLnBrk="0" hangingPunct="1">
-              <a:lnSpc>
-                <a:spcPct val="150000"/>
-              </a:lnSpc>
-              <a:spcBef>
-                <a:spcPts val="1200"/>
-              </a:spcBef>
-              <a:buFont typeface="Arial" panose="020B0604020202020204" pitchFamily="34" charset="0"/>
-              <a:buChar char="•"/>
-              <a:tabLst/>
-              <a:defRPr sz="1600" kern="1200">
-                <a:solidFill>
-                  <a:schemeClr val="tx1"/>
-                </a:solidFill>
-                <a:latin typeface="Franklin Gothic Book" panose="020B0503020102020204" pitchFamily="34" charset="0"/>
-                <a:ea typeface="+mn-ea"/>
-                <a:cs typeface="Arial" panose="020B0604020202020204" pitchFamily="34" charset="0"/>
-              </a:defRPr>
-            </a:lvl5pPr>
-            <a:lvl6pPr marL="2514537" indent="-228594" algn="l" defTabSz="914377" rtl="0" eaLnBrk="1" latinLnBrk="0" hangingPunct="1">
-              <a:lnSpc>
-                <a:spcPct val="90000"/>
-              </a:lnSpc>
-              <a:spcBef>
-                <a:spcPts val="500"/>
-              </a:spcBef>
-              <a:buFont typeface="Arial" panose="020B0604020202020204" pitchFamily="34" charset="0"/>
-              <a:buChar char="•"/>
-              <a:defRPr sz="1800" kern="1200">
-                <a:solidFill>
-                  <a:schemeClr val="tx1"/>
-                </a:solidFill>
-                <a:latin typeface="+mn-lt"/>
-                <a:ea typeface="+mn-ea"/>
-                <a:cs typeface="+mn-cs"/>
-              </a:defRPr>
-            </a:lvl6pPr>
-            <a:lvl7pPr marL="2971726" indent="-228594" algn="l" defTabSz="914377" rtl="0" eaLnBrk="1" latinLnBrk="0" hangingPunct="1">
-              <a:lnSpc>
-                <a:spcPct val="90000"/>
-              </a:lnSpc>
-              <a:spcBef>
-                <a:spcPts val="500"/>
-              </a:spcBef>
-              <a:buFont typeface="Arial" panose="020B0604020202020204" pitchFamily="34" charset="0"/>
-              <a:buChar char="•"/>
-              <a:defRPr sz="1800" kern="1200">
-                <a:solidFill>
-                  <a:schemeClr val="tx1"/>
-                </a:solidFill>
-                <a:latin typeface="+mn-lt"/>
-                <a:ea typeface="+mn-ea"/>
-                <a:cs typeface="+mn-cs"/>
-              </a:defRPr>
-            </a:lvl7pPr>
-            <a:lvl8pPr marL="3428914" indent="-228594" algn="l" defTabSz="914377" rtl="0" eaLnBrk="1" latinLnBrk="0" hangingPunct="1">
-              <a:lnSpc>
-                <a:spcPct val="90000"/>
-              </a:lnSpc>
-              <a:spcBef>
-                <a:spcPts val="500"/>
-              </a:spcBef>
-              <a:buFont typeface="Arial" panose="020B0604020202020204" pitchFamily="34" charset="0"/>
-              <a:buChar char="•"/>
-              <a:defRPr sz="1800" kern="1200">
-                <a:solidFill>
-                  <a:schemeClr val="tx1"/>
-                </a:solidFill>
-                <a:latin typeface="+mn-lt"/>
-                <a:ea typeface="+mn-ea"/>
-                <a:cs typeface="+mn-cs"/>
-              </a:defRPr>
-            </a:lvl8pPr>
-            <a:lvl9pPr marL="3886103" indent="-228594" algn="l" defTabSz="914377" rtl="0" eaLnBrk="1" latinLnBrk="0" hangingPunct="1">
-              <a:lnSpc>
-                <a:spcPct val="90000"/>
-              </a:lnSpc>
-              <a:spcBef>
-                <a:spcPts val="500"/>
-              </a:spcBef>
-              <a:buFont typeface="Arial" panose="020B0604020202020204" pitchFamily="34" charset="0"/>
-              <a:buChar char="•"/>
-              <a:defRPr sz="1800" kern="1200">
-                <a:solidFill>
-                  <a:schemeClr val="tx1"/>
-                </a:solidFill>
-                <a:latin typeface="+mn-lt"/>
-                <a:ea typeface="+mn-ea"/>
-                <a:cs typeface="+mn-cs"/>
-              </a:defRPr>
-            </a:lvl9pPr>
-          </a:lstStyle>
-          <a:p>
-            <a:pPr marL="11113" indent="0">
-              <a:lnSpc>
-                <a:spcPct val="120000"/>
-              </a:lnSpc>
-              <a:spcBef>
-                <a:spcPts val="0"/>
-              </a:spcBef>
-              <a:buNone/>
-            </a:pPr>
-            <a:r>
-              <a:rPr lang="en-US" sz="1400">
-                <a:solidFill>
-                  <a:schemeClr val="tx2"/>
-                </a:solidFill>
-                <a:latin typeface="+mn-lt"/>
-              </a:rPr>
-              <a:t>Eksempel på SendMessage-anrop
-Kodeutdrag for implementering</a:t>
-            </a:r>
-          </a:p>
-        </p:txBody>
-      </p:sp>
-      <p:sp>
-        <p:nvSpPr>
-          <p:cNvPr id="6" name="Content Placeholder 11">
-            <a:extLst>
-              <a:ext uri="{FF2B5EF4-FFF2-40B4-BE49-F238E27FC236}">
-                <a16:creationId xmlns:a16="http://schemas.microsoft.com/office/drawing/2014/main" id="{01646E09-C250-9754-540E-BAFFBFEE2F7F}"/>
-              </a:ext>
-            </a:extLst>
-          </p:cNvPr>
-          <p:cNvSpPr txBox="1">
-            <a:spLocks/>
-          </p:cNvSpPr>
-          <p:nvPr>
-            <p:custDataLst>
-              <p:tags r:id="rId13"/>
-            </p:custDataLst>
-          </p:nvPr>
-        </p:nvSpPr>
-        <p:spPr>
-          <a:xfrm>
-            <a:off x="6158726" y="4715273"/>
-            <a:ext cx="2642616" cy="1366745"/>
-          </a:xfrm>
-          <a:prstGeom prst="rect">
-            <a:avLst/>
-          </a:prstGeom>
-        </p:spPr>
-        <p:txBody>
-          <a:bodyPr vert="horz" lIns="91440" tIns="45720" rIns="91440" bIns="45720" rtlCol="0">
-            <a:normAutofit/>
-          </a:bodyPr>
-          <a:lstStyle>
-            <a:lvl1pPr marL="296863" indent="-285750" algn="l" defTabSz="914377" rtl="0" eaLnBrk="1" latinLnBrk="0" hangingPunct="1">
-              <a:lnSpc>
-                <a:spcPct val="150000"/>
-              </a:lnSpc>
-              <a:spcBef>
-                <a:spcPts val="1200"/>
-              </a:spcBef>
-              <a:buFont typeface="Arial" panose="020B0604020202020204" pitchFamily="34" charset="0"/>
-              <a:buChar char="•"/>
-              <a:tabLst/>
-              <a:defRPr sz="1600" kern="1200">
-                <a:solidFill>
-                  <a:schemeClr val="tx1"/>
-                </a:solidFill>
-                <a:latin typeface="Franklin Gothic Book" panose="020B0503020102020204" pitchFamily="34" charset="0"/>
-                <a:ea typeface="+mn-ea"/>
-                <a:cs typeface="Arial" panose="020B0604020202020204" pitchFamily="34" charset="0"/>
-              </a:defRPr>
-            </a:lvl1pPr>
-            <a:lvl2pPr marL="628650" indent="-285750" algn="l" defTabSz="914377" rtl="0" eaLnBrk="1" latinLnBrk="0" hangingPunct="1">
-              <a:lnSpc>
-                <a:spcPct val="150000"/>
-              </a:lnSpc>
-              <a:spcBef>
-                <a:spcPts val="1200"/>
-              </a:spcBef>
-              <a:buFont typeface="Arial" panose="020B0604020202020204" pitchFamily="34" charset="0"/>
-              <a:buChar char="•"/>
-              <a:tabLst/>
-              <a:defRPr sz="1600" kern="1200">
-                <a:solidFill>
-                  <a:schemeClr val="tx1"/>
-                </a:solidFill>
-                <a:latin typeface="Franklin Gothic Book" panose="020B0503020102020204" pitchFamily="34" charset="0"/>
-                <a:ea typeface="+mn-ea"/>
-                <a:cs typeface="Arial" panose="020B0604020202020204" pitchFamily="34" charset="0"/>
-              </a:defRPr>
-            </a:lvl2pPr>
-            <a:lvl3pPr marL="1085850" indent="-285750" algn="l" defTabSz="914377" rtl="0" eaLnBrk="1" latinLnBrk="0" hangingPunct="1">
-              <a:lnSpc>
-                <a:spcPct val="150000"/>
-              </a:lnSpc>
-              <a:spcBef>
-                <a:spcPts val="1200"/>
-              </a:spcBef>
-              <a:buFont typeface="Arial" panose="020B0604020202020204" pitchFamily="34" charset="0"/>
-              <a:buChar char="•"/>
-              <a:tabLst/>
-              <a:defRPr sz="1600" kern="1200">
-                <a:solidFill>
-                  <a:schemeClr val="tx1"/>
-                </a:solidFill>
-                <a:latin typeface="Franklin Gothic Book" panose="020B0503020102020204" pitchFamily="34" charset="0"/>
-                <a:ea typeface="+mn-ea"/>
-                <a:cs typeface="Arial" panose="020B0604020202020204" pitchFamily="34" charset="0"/>
-              </a:defRPr>
-            </a:lvl3pPr>
-            <a:lvl4pPr marL="1543050" indent="-285750" algn="l" defTabSz="914377" rtl="0" eaLnBrk="1" latinLnBrk="0" hangingPunct="1">
-              <a:lnSpc>
-                <a:spcPct val="150000"/>
-              </a:lnSpc>
-              <a:spcBef>
-                <a:spcPts val="1200"/>
-              </a:spcBef>
-              <a:buFont typeface="Arial" panose="020B0604020202020204" pitchFamily="34" charset="0"/>
-              <a:buChar char="•"/>
-              <a:tabLst/>
-              <a:defRPr sz="1600" kern="1200">
-                <a:solidFill>
-                  <a:schemeClr val="tx1"/>
-                </a:solidFill>
-                <a:latin typeface="Franklin Gothic Book" panose="020B0503020102020204" pitchFamily="34" charset="0"/>
-                <a:ea typeface="+mn-ea"/>
-                <a:cs typeface="Arial" panose="020B0604020202020204" pitchFamily="34" charset="0"/>
-              </a:defRPr>
-            </a:lvl4pPr>
-            <a:lvl5pPr marL="2001838" indent="-285750" algn="l" defTabSz="914377" rtl="0" eaLnBrk="1" latinLnBrk="0" hangingPunct="1">
-              <a:lnSpc>
-                <a:spcPct val="150000"/>
-              </a:lnSpc>
-              <a:spcBef>
-                <a:spcPts val="1200"/>
-              </a:spcBef>
-              <a:buFont typeface="Arial" panose="020B0604020202020204" pitchFamily="34" charset="0"/>
-              <a:buChar char="•"/>
-              <a:tabLst/>
-              <a:defRPr sz="1600" kern="1200">
-                <a:solidFill>
-                  <a:schemeClr val="tx1"/>
-                </a:solidFill>
-                <a:latin typeface="Franklin Gothic Book" panose="020B0503020102020204" pitchFamily="34" charset="0"/>
-                <a:ea typeface="+mn-ea"/>
-                <a:cs typeface="Arial" panose="020B0604020202020204" pitchFamily="34" charset="0"/>
-              </a:defRPr>
-            </a:lvl5pPr>
-            <a:lvl6pPr marL="2514537" indent="-228594" algn="l" defTabSz="914377" rtl="0" eaLnBrk="1" latinLnBrk="0" hangingPunct="1">
-              <a:lnSpc>
-                <a:spcPct val="90000"/>
-              </a:lnSpc>
-              <a:spcBef>
-                <a:spcPts val="500"/>
-              </a:spcBef>
-              <a:buFont typeface="Arial" panose="020B0604020202020204" pitchFamily="34" charset="0"/>
-              <a:buChar char="•"/>
-              <a:defRPr sz="1800" kern="1200">
-                <a:solidFill>
-                  <a:schemeClr val="tx1"/>
-                </a:solidFill>
-                <a:latin typeface="+mn-lt"/>
-                <a:ea typeface="+mn-ea"/>
-                <a:cs typeface="+mn-cs"/>
-              </a:defRPr>
-            </a:lvl6pPr>
-            <a:lvl7pPr marL="2971726" indent="-228594" algn="l" defTabSz="914377" rtl="0" eaLnBrk="1" latinLnBrk="0" hangingPunct="1">
-              <a:lnSpc>
-                <a:spcPct val="90000"/>
-              </a:lnSpc>
-              <a:spcBef>
-                <a:spcPts val="500"/>
-              </a:spcBef>
-              <a:buFont typeface="Arial" panose="020B0604020202020204" pitchFamily="34" charset="0"/>
-              <a:buChar char="•"/>
-              <a:defRPr sz="1800" kern="1200">
-                <a:solidFill>
-                  <a:schemeClr val="tx1"/>
-                </a:solidFill>
-                <a:latin typeface="+mn-lt"/>
-                <a:ea typeface="+mn-ea"/>
-                <a:cs typeface="+mn-cs"/>
-              </a:defRPr>
-            </a:lvl7pPr>
-            <a:lvl8pPr marL="3428914" indent="-228594" algn="l" defTabSz="914377" rtl="0" eaLnBrk="1" latinLnBrk="0" hangingPunct="1">
-              <a:lnSpc>
-                <a:spcPct val="90000"/>
-              </a:lnSpc>
-              <a:spcBef>
-                <a:spcPts val="500"/>
-              </a:spcBef>
-              <a:buFont typeface="Arial" panose="020B0604020202020204" pitchFamily="34" charset="0"/>
-              <a:buChar char="•"/>
-              <a:defRPr sz="1800" kern="1200">
-                <a:solidFill>
-                  <a:schemeClr val="tx1"/>
-                </a:solidFill>
-                <a:latin typeface="+mn-lt"/>
-                <a:ea typeface="+mn-ea"/>
-                <a:cs typeface="+mn-cs"/>
-              </a:defRPr>
-            </a:lvl8pPr>
-            <a:lvl9pPr marL="3886103" indent="-228594" algn="l" defTabSz="914377" rtl="0" eaLnBrk="1" latinLnBrk="0" hangingPunct="1">
-              <a:lnSpc>
-                <a:spcPct val="90000"/>
-              </a:lnSpc>
-              <a:spcBef>
-                <a:spcPts val="500"/>
-              </a:spcBef>
-              <a:buFont typeface="Arial" panose="020B0604020202020204" pitchFamily="34" charset="0"/>
-              <a:buChar char="•"/>
-              <a:defRPr sz="1800" kern="1200">
-                <a:solidFill>
-                  <a:schemeClr val="tx1"/>
-                </a:solidFill>
-                <a:latin typeface="+mn-lt"/>
-                <a:ea typeface="+mn-ea"/>
-                <a:cs typeface="+mn-cs"/>
-              </a:defRPr>
-            </a:lvl9pPr>
-          </a:lstStyle>
-          <a:p>
-            <a:pPr marL="11113" indent="0">
-              <a:lnSpc>
-                <a:spcPct val="120000"/>
-              </a:lnSpc>
-              <a:spcBef>
-                <a:spcPts val="0"/>
-              </a:spcBef>
-              <a:buNone/>
-            </a:pPr>
-            <a:r>
-              <a:rPr lang="en-US" sz="1400">
-                <a:solidFill>
-                  <a:schemeClr val="tx2"/>
-                </a:solidFill>
-                <a:latin typeface="+mn-lt"/>
-              </a:rPr>
-              <a:t>Eksempel på ReceiveMessage-anrop
-Kodeutdrag for bruk</a:t>
-            </a:r>
-          </a:p>
-        </p:txBody>
-      </p:sp>
-      <p:sp>
-        <p:nvSpPr>
-          <p:cNvPr id="7" name="Content Placeholder 1">
-            <a:extLst>
-              <a:ext uri="{FF2B5EF4-FFF2-40B4-BE49-F238E27FC236}">
-                <a16:creationId xmlns:a16="http://schemas.microsoft.com/office/drawing/2014/main" id="{17217346-A6B1-5155-6D62-9B3CF159BF85}"/>
-              </a:ext>
-            </a:extLst>
-          </p:cNvPr>
-          <p:cNvSpPr txBox="1">
-            <a:spLocks/>
-          </p:cNvSpPr>
-          <p:nvPr>
-            <p:custDataLst>
-              <p:tags r:id="rId14"/>
-            </p:custDataLst>
-          </p:nvPr>
-        </p:nvSpPr>
-        <p:spPr>
-          <a:xfrm>
-            <a:off x="8935454" y="4717376"/>
-            <a:ext cx="2642616" cy="1366745"/>
-          </a:xfrm>
-          <a:prstGeom prst="rect">
-            <a:avLst/>
-          </a:prstGeom>
-        </p:spPr>
-        <p:txBody>
-          <a:bodyPr vert="horz" lIns="91440" tIns="45720" rIns="91440" bIns="45720" rtlCol="0">
-            <a:normAutofit/>
-          </a:bodyPr>
-          <a:lstStyle>
-            <a:lvl1pPr marL="296863" indent="-285750" algn="l" defTabSz="914377" rtl="0" eaLnBrk="1" latinLnBrk="0" hangingPunct="1">
-              <a:lnSpc>
-                <a:spcPct val="150000"/>
-              </a:lnSpc>
-              <a:spcBef>
-                <a:spcPts val="1200"/>
-              </a:spcBef>
-              <a:buFont typeface="Arial" panose="020B0604020202020204" pitchFamily="34" charset="0"/>
-              <a:buChar char="•"/>
-              <a:tabLst/>
-              <a:defRPr sz="1600" kern="1200">
-                <a:solidFill>
-                  <a:schemeClr val="tx1"/>
-                </a:solidFill>
-                <a:latin typeface="Franklin Gothic Book" panose="020B0503020102020204" pitchFamily="34" charset="0"/>
-                <a:ea typeface="+mn-ea"/>
-                <a:cs typeface="Arial" panose="020B0604020202020204" pitchFamily="34" charset="0"/>
-              </a:defRPr>
-            </a:lvl1pPr>
-            <a:lvl2pPr marL="628650" indent="-285750" algn="l" defTabSz="914377" rtl="0" eaLnBrk="1" latinLnBrk="0" hangingPunct="1">
-              <a:lnSpc>
-                <a:spcPct val="150000"/>
-              </a:lnSpc>
-              <a:spcBef>
-                <a:spcPts val="1200"/>
-              </a:spcBef>
-              <a:buFont typeface="Arial" panose="020B0604020202020204" pitchFamily="34" charset="0"/>
-              <a:buChar char="•"/>
-              <a:tabLst/>
-              <a:defRPr sz="1600" kern="1200">
-                <a:solidFill>
-                  <a:schemeClr val="tx1"/>
-                </a:solidFill>
-                <a:latin typeface="Franklin Gothic Book" panose="020B0503020102020204" pitchFamily="34" charset="0"/>
-                <a:ea typeface="+mn-ea"/>
-                <a:cs typeface="Arial" panose="020B0604020202020204" pitchFamily="34" charset="0"/>
-              </a:defRPr>
-            </a:lvl2pPr>
-            <a:lvl3pPr marL="1085850" indent="-285750" algn="l" defTabSz="914377" rtl="0" eaLnBrk="1" latinLnBrk="0" hangingPunct="1">
-              <a:lnSpc>
-                <a:spcPct val="150000"/>
-              </a:lnSpc>
-              <a:spcBef>
-                <a:spcPts val="1200"/>
-              </a:spcBef>
-              <a:buFont typeface="Arial" panose="020B0604020202020204" pitchFamily="34" charset="0"/>
-              <a:buChar char="•"/>
-              <a:tabLst/>
-              <a:defRPr sz="1600" kern="1200">
-                <a:solidFill>
-                  <a:schemeClr val="tx1"/>
-                </a:solidFill>
-                <a:latin typeface="Franklin Gothic Book" panose="020B0503020102020204" pitchFamily="34" charset="0"/>
-                <a:ea typeface="+mn-ea"/>
-                <a:cs typeface="Arial" panose="020B0604020202020204" pitchFamily="34" charset="0"/>
-              </a:defRPr>
-            </a:lvl3pPr>
-            <a:lvl4pPr marL="1543050" indent="-285750" algn="l" defTabSz="914377" rtl="0" eaLnBrk="1" latinLnBrk="0" hangingPunct="1">
-              <a:lnSpc>
-                <a:spcPct val="150000"/>
-              </a:lnSpc>
-              <a:spcBef>
-                <a:spcPts val="1200"/>
-              </a:spcBef>
-              <a:buFont typeface="Arial" panose="020B0604020202020204" pitchFamily="34" charset="0"/>
-              <a:buChar char="•"/>
-              <a:tabLst/>
-              <a:defRPr sz="1600" kern="1200">
-                <a:solidFill>
-                  <a:schemeClr val="tx1"/>
-                </a:solidFill>
-                <a:latin typeface="Franklin Gothic Book" panose="020B0503020102020204" pitchFamily="34" charset="0"/>
-                <a:ea typeface="+mn-ea"/>
-                <a:cs typeface="Arial" panose="020B0604020202020204" pitchFamily="34" charset="0"/>
-              </a:defRPr>
-            </a:lvl4pPr>
-            <a:lvl5pPr marL="2001838" indent="-285750" algn="l" defTabSz="914377" rtl="0" eaLnBrk="1" latinLnBrk="0" hangingPunct="1">
-              <a:lnSpc>
-                <a:spcPct val="150000"/>
-              </a:lnSpc>
-              <a:spcBef>
-                <a:spcPts val="1200"/>
-              </a:spcBef>
-              <a:buFont typeface="Arial" panose="020B0604020202020204" pitchFamily="34" charset="0"/>
-              <a:buChar char="•"/>
-              <a:tabLst/>
-              <a:defRPr sz="1600" kern="1200">
-                <a:solidFill>
-                  <a:schemeClr val="tx1"/>
-                </a:solidFill>
-                <a:latin typeface="Franklin Gothic Book" panose="020B0503020102020204" pitchFamily="34" charset="0"/>
-                <a:ea typeface="+mn-ea"/>
-                <a:cs typeface="Arial" panose="020B0604020202020204" pitchFamily="34" charset="0"/>
-              </a:defRPr>
-            </a:lvl5pPr>
-            <a:lvl6pPr marL="2514537" indent="-228594" algn="l" defTabSz="914377" rtl="0" eaLnBrk="1" latinLnBrk="0" hangingPunct="1">
-              <a:lnSpc>
-                <a:spcPct val="90000"/>
-              </a:lnSpc>
-              <a:spcBef>
-                <a:spcPts val="500"/>
-              </a:spcBef>
-              <a:buFont typeface="Arial" panose="020B0604020202020204" pitchFamily="34" charset="0"/>
-              <a:buChar char="•"/>
-              <a:defRPr sz="1800" kern="1200">
-                <a:solidFill>
-                  <a:schemeClr val="tx1"/>
-                </a:solidFill>
-                <a:latin typeface="+mn-lt"/>
-                <a:ea typeface="+mn-ea"/>
-                <a:cs typeface="+mn-cs"/>
-              </a:defRPr>
-            </a:lvl6pPr>
-            <a:lvl7pPr marL="2971726" indent="-228594" algn="l" defTabSz="914377" rtl="0" eaLnBrk="1" latinLnBrk="0" hangingPunct="1">
-              <a:lnSpc>
-                <a:spcPct val="90000"/>
-              </a:lnSpc>
-              <a:spcBef>
-                <a:spcPts val="500"/>
-              </a:spcBef>
-              <a:buFont typeface="Arial" panose="020B0604020202020204" pitchFamily="34" charset="0"/>
-              <a:buChar char="•"/>
-              <a:defRPr sz="1800" kern="1200">
-                <a:solidFill>
-                  <a:schemeClr val="tx1"/>
-                </a:solidFill>
-                <a:latin typeface="+mn-lt"/>
-                <a:ea typeface="+mn-ea"/>
-                <a:cs typeface="+mn-cs"/>
-              </a:defRPr>
-            </a:lvl7pPr>
-            <a:lvl8pPr marL="3428914" indent="-228594" algn="l" defTabSz="914377" rtl="0" eaLnBrk="1" latinLnBrk="0" hangingPunct="1">
-              <a:lnSpc>
-                <a:spcPct val="90000"/>
-              </a:lnSpc>
-              <a:spcBef>
-                <a:spcPts val="500"/>
-              </a:spcBef>
-              <a:buFont typeface="Arial" panose="020B0604020202020204" pitchFamily="34" charset="0"/>
-              <a:buChar char="•"/>
-              <a:defRPr sz="1800" kern="1200">
-                <a:solidFill>
-                  <a:schemeClr val="tx1"/>
-                </a:solidFill>
-                <a:latin typeface="+mn-lt"/>
-                <a:ea typeface="+mn-ea"/>
-                <a:cs typeface="+mn-cs"/>
-              </a:defRPr>
-            </a:lvl8pPr>
-            <a:lvl9pPr marL="3886103" indent="-228594" algn="l" defTabSz="914377" rtl="0" eaLnBrk="1" latinLnBrk="0" hangingPunct="1">
-              <a:lnSpc>
-                <a:spcPct val="90000"/>
-              </a:lnSpc>
-              <a:spcBef>
-                <a:spcPts val="500"/>
-              </a:spcBef>
-              <a:buFont typeface="Arial" panose="020B0604020202020204" pitchFamily="34" charset="0"/>
-              <a:buChar char="•"/>
-              <a:defRPr sz="1800" kern="1200">
-                <a:solidFill>
-                  <a:schemeClr val="tx1"/>
-                </a:solidFill>
-                <a:latin typeface="+mn-lt"/>
-                <a:ea typeface="+mn-ea"/>
-                <a:cs typeface="+mn-cs"/>
-              </a:defRPr>
-            </a:lvl9pPr>
-          </a:lstStyle>
-          <a:p>
-            <a:pPr marL="11113" indent="0">
-              <a:lnSpc>
-                <a:spcPct val="120000"/>
-              </a:lnSpc>
-              <a:spcBef>
-                <a:spcPts val="0"/>
-              </a:spcBef>
-              <a:buNone/>
-            </a:pPr>
-            <a:r>
-              <a:rPr lang="en-US" sz="1400">
-                <a:solidFill>
-                  <a:schemeClr val="tx2"/>
-                </a:solidFill>
-                <a:latin typeface="+mn-lt"/>
-              </a:rPr>
-              <a:t>Eksempel på DeleteMessage-anrop
-Kodeutdrag for sletting</a:t>
-            </a:r>
-          </a:p>
-        </p:txBody>
-      </p:sp>
       <p:cxnSp>
         <p:nvCxnSpPr>
           <p:cNvPr id="16" name="Straight Connector 15">
@@ -20645,7 +19753,7 @@
           <p:cNvSpPr/>
           <p:nvPr>
             <p:custDataLst>
-              <p:tags r:id="rId15"/>
+              <p:tags r:id="rId11"/>
             </p:custDataLst>
           </p:nvPr>
         </p:nvSpPr>
@@ -29684,61 +28792,61 @@
 
 <file path=ppt/tags/tag100.xml><?xml version="1.0" encoding="utf-8"?>
 <p:tagLst xmlns:a="http://schemas.openxmlformats.org/drawingml/2006/main" xmlns:r="http://schemas.openxmlformats.org/officeDocument/2006/relationships" xmlns:p="http://schemas.openxmlformats.org/presentationml/2006/main">
-  <p:tag name="PLUS_ID" val="header_2"/>
+  <p:tag name="PLUS_ID" val="detail_0"/>
 </p:tagLst>
 </file>
 
 <file path=ppt/tags/tag101.xml><?xml version="1.0" encoding="utf-8"?>
 <p:tagLst xmlns:a="http://schemas.openxmlformats.org/drawingml/2006/main" xmlns:r="http://schemas.openxmlformats.org/officeDocument/2006/relationships" xmlns:p="http://schemas.openxmlformats.org/presentationml/2006/main">
-  <p:tag name="PLUS_ID" val="logo"/>
+  <p:tag name="PLUS_ID" val="detail_1"/>
 </p:tagLst>
 </file>
 
 <file path=ppt/tags/tag102.xml><?xml version="1.0" encoding="utf-8"?>
 <p:tagLst xmlns:a="http://schemas.openxmlformats.org/drawingml/2006/main" xmlns:r="http://schemas.openxmlformats.org/officeDocument/2006/relationships" xmlns:p="http://schemas.openxmlformats.org/presentationml/2006/main">
-  <p:tag name="PLUS_ID" val="chapter"/>
+  <p:tag name="PLUS_ID" val="header_0"/>
 </p:tagLst>
 </file>
 
 <file path=ppt/tags/tag103.xml><?xml version="1.0" encoding="utf-8"?>
 <p:tagLst xmlns:a="http://schemas.openxmlformats.org/drawingml/2006/main" xmlns:r="http://schemas.openxmlformats.org/officeDocument/2006/relationships" xmlns:p="http://schemas.openxmlformats.org/presentationml/2006/main">
-  <p:tag name="PLUS_ID" val="title"/>
+  <p:tag name="PLUS_ID" val="header_1"/>
 </p:tagLst>
 </file>
 
 <file path=ppt/tags/tag104.xml><?xml version="1.0" encoding="utf-8"?>
 <p:tagLst xmlns:a="http://schemas.openxmlformats.org/drawingml/2006/main" xmlns:r="http://schemas.openxmlformats.org/officeDocument/2006/relationships" xmlns:p="http://schemas.openxmlformats.org/presentationml/2006/main">
-  <p:tag name="PLUS_ID" val="detail_0"/>
+  <p:tag name="PLUS_ID" val="icon_0"/>
 </p:tagLst>
 </file>
 
 <file path=ppt/tags/tag105.xml><?xml version="1.0" encoding="utf-8"?>
 <p:tagLst xmlns:a="http://schemas.openxmlformats.org/drawingml/2006/main" xmlns:r="http://schemas.openxmlformats.org/officeDocument/2006/relationships" xmlns:p="http://schemas.openxmlformats.org/presentationml/2006/main">
-  <p:tag name="PLUS_ID" val="detail_1"/>
+  <p:tag name="PLUS_ID" val="icon_1"/>
 </p:tagLst>
 </file>
 
 <file path=ppt/tags/tag106.xml><?xml version="1.0" encoding="utf-8"?>
 <p:tagLst xmlns:a="http://schemas.openxmlformats.org/drawingml/2006/main" xmlns:r="http://schemas.openxmlformats.org/officeDocument/2006/relationships" xmlns:p="http://schemas.openxmlformats.org/presentationml/2006/main">
-  <p:tag name="PLUS_ID" val="header_0"/>
+  <p:tag name="PLUS_ID" val="logo"/>
 </p:tagLst>
 </file>
 
 <file path=ppt/tags/tag107.xml><?xml version="1.0" encoding="utf-8"?>
 <p:tagLst xmlns:a="http://schemas.openxmlformats.org/drawingml/2006/main" xmlns:r="http://schemas.openxmlformats.org/officeDocument/2006/relationships" xmlns:p="http://schemas.openxmlformats.org/presentationml/2006/main">
-  <p:tag name="PLUS_ID" val="header_1"/>
+  <p:tag name="PLUS_ID" val="title"/>
 </p:tagLst>
 </file>
 
 <file path=ppt/tags/tag108.xml><?xml version="1.0" encoding="utf-8"?>
 <p:tagLst xmlns:a="http://schemas.openxmlformats.org/drawingml/2006/main" xmlns:r="http://schemas.openxmlformats.org/officeDocument/2006/relationships" xmlns:p="http://schemas.openxmlformats.org/presentationml/2006/main">
-  <p:tag name="PLUS_ID" val="icon_0"/>
+  <p:tag name="PLUS_ID" val="header_0"/>
 </p:tagLst>
 </file>
 
 <file path=ppt/tags/tag109.xml><?xml version="1.0" encoding="utf-8"?>
 <p:tagLst xmlns:a="http://schemas.openxmlformats.org/drawingml/2006/main" xmlns:r="http://schemas.openxmlformats.org/officeDocument/2006/relationships" xmlns:p="http://schemas.openxmlformats.org/presentationml/2006/main">
-  <p:tag name="PLUS_ID" val="icon_1"/>
+  <p:tag name="PLUS_ID" val="detail_0"/>
 </p:tagLst>
 </file>
 
@@ -29750,61 +28858,61 @@
 
 <file path=ppt/tags/tag110.xml><?xml version="1.0" encoding="utf-8"?>
 <p:tagLst xmlns:a="http://schemas.openxmlformats.org/drawingml/2006/main" xmlns:r="http://schemas.openxmlformats.org/officeDocument/2006/relationships" xmlns:p="http://schemas.openxmlformats.org/presentationml/2006/main">
-  <p:tag name="PLUS_ID" val="logo"/>
+  <p:tag name="PLUS_ID" val="header_1"/>
 </p:tagLst>
 </file>
 
 <file path=ppt/tags/tag111.xml><?xml version="1.0" encoding="utf-8"?>
 <p:tagLst xmlns:a="http://schemas.openxmlformats.org/drawingml/2006/main" xmlns:r="http://schemas.openxmlformats.org/officeDocument/2006/relationships" xmlns:p="http://schemas.openxmlformats.org/presentationml/2006/main">
-  <p:tag name="PLUS_ID" val="title"/>
+  <p:tag name="PLUS_ID" val="detail_1"/>
 </p:tagLst>
 </file>
 
 <file path=ppt/tags/tag112.xml><?xml version="1.0" encoding="utf-8"?>
 <p:tagLst xmlns:a="http://schemas.openxmlformats.org/drawingml/2006/main" xmlns:r="http://schemas.openxmlformats.org/officeDocument/2006/relationships" xmlns:p="http://schemas.openxmlformats.org/presentationml/2006/main">
-  <p:tag name="PLUS_ID" val="header_0"/>
+  <p:tag name="PLUS_ID" val="icon_0"/>
 </p:tagLst>
 </file>
 
 <file path=ppt/tags/tag113.xml><?xml version="1.0" encoding="utf-8"?>
 <p:tagLst xmlns:a="http://schemas.openxmlformats.org/drawingml/2006/main" xmlns:r="http://schemas.openxmlformats.org/officeDocument/2006/relationships" xmlns:p="http://schemas.openxmlformats.org/presentationml/2006/main">
-  <p:tag name="PLUS_ID" val="detail_0"/>
+  <p:tag name="PLUS_ID" val="icon_1"/>
 </p:tagLst>
 </file>
 
 <file path=ppt/tags/tag114.xml><?xml version="1.0" encoding="utf-8"?>
 <p:tagLst xmlns:a="http://schemas.openxmlformats.org/drawingml/2006/main" xmlns:r="http://schemas.openxmlformats.org/officeDocument/2006/relationships" xmlns:p="http://schemas.openxmlformats.org/presentationml/2006/main">
-  <p:tag name="PLUS_ID" val="header_1"/>
+  <p:tag name="PLUS_ID" val="logo"/>
 </p:tagLst>
 </file>
 
 <file path=ppt/tags/tag115.xml><?xml version="1.0" encoding="utf-8"?>
 <p:tagLst xmlns:a="http://schemas.openxmlformats.org/drawingml/2006/main" xmlns:r="http://schemas.openxmlformats.org/officeDocument/2006/relationships" xmlns:p="http://schemas.openxmlformats.org/presentationml/2006/main">
-  <p:tag name="PLUS_ID" val="detail_1"/>
+  <p:tag name="PLUS_ID" val="chapter"/>
 </p:tagLst>
 </file>
 
 <file path=ppt/tags/tag116.xml><?xml version="1.0" encoding="utf-8"?>
 <p:tagLst xmlns:a="http://schemas.openxmlformats.org/drawingml/2006/main" xmlns:r="http://schemas.openxmlformats.org/officeDocument/2006/relationships" xmlns:p="http://schemas.openxmlformats.org/presentationml/2006/main">
-  <p:tag name="PLUS_ID" val="icon_0"/>
+  <p:tag name="PLUS_ID" val="chapter"/>
 </p:tagLst>
 </file>
 
 <file path=ppt/tags/tag117.xml><?xml version="1.0" encoding="utf-8"?>
 <p:tagLst xmlns:a="http://schemas.openxmlformats.org/drawingml/2006/main" xmlns:r="http://schemas.openxmlformats.org/officeDocument/2006/relationships" xmlns:p="http://schemas.openxmlformats.org/presentationml/2006/main">
-  <p:tag name="PLUS_ID" val="icon_1"/>
+  <p:tag name="PLUS_ID" val="title"/>
 </p:tagLst>
 </file>
 
 <file path=ppt/tags/tag118.xml><?xml version="1.0" encoding="utf-8"?>
 <p:tagLst xmlns:a="http://schemas.openxmlformats.org/drawingml/2006/main" xmlns:r="http://schemas.openxmlformats.org/officeDocument/2006/relationships" xmlns:p="http://schemas.openxmlformats.org/presentationml/2006/main">
-  <p:tag name="PLUS_ID" val="logo"/>
+  <p:tag name="PLUS_ID" val="detail_0"/>
 </p:tagLst>
 </file>
 
 <file path=ppt/tags/tag119.xml><?xml version="1.0" encoding="utf-8"?>
 <p:tagLst xmlns:a="http://schemas.openxmlformats.org/drawingml/2006/main" xmlns:r="http://schemas.openxmlformats.org/officeDocument/2006/relationships" xmlns:p="http://schemas.openxmlformats.org/presentationml/2006/main">
-  <p:tag name="PLUS_ID" val="chapter"/>
+  <p:tag name="PLUS_ID" val="detail_1"/>
 </p:tagLst>
 </file>
 
@@ -29816,61 +28924,61 @@
 
 <file path=ppt/tags/tag120.xml><?xml version="1.0" encoding="utf-8"?>
 <p:tagLst xmlns:a="http://schemas.openxmlformats.org/drawingml/2006/main" xmlns:r="http://schemas.openxmlformats.org/officeDocument/2006/relationships" xmlns:p="http://schemas.openxmlformats.org/presentationml/2006/main">
-  <p:tag name="PLUS_ID" val="chapter"/>
+  <p:tag name="PLUS_ID" val="header_0"/>
 </p:tagLst>
 </file>
 
 <file path=ppt/tags/tag121.xml><?xml version="1.0" encoding="utf-8"?>
 <p:tagLst xmlns:a="http://schemas.openxmlformats.org/drawingml/2006/main" xmlns:r="http://schemas.openxmlformats.org/officeDocument/2006/relationships" xmlns:p="http://schemas.openxmlformats.org/presentationml/2006/main">
-  <p:tag name="PLUS_ID" val="title"/>
+  <p:tag name="PLUS_ID" val="header_1"/>
 </p:tagLst>
 </file>
 
 <file path=ppt/tags/tag122.xml><?xml version="1.0" encoding="utf-8"?>
 <p:tagLst xmlns:a="http://schemas.openxmlformats.org/drawingml/2006/main" xmlns:r="http://schemas.openxmlformats.org/officeDocument/2006/relationships" xmlns:p="http://schemas.openxmlformats.org/presentationml/2006/main">
-  <p:tag name="PLUS_ID" val="detail_0"/>
+  <p:tag name="PLUS_ID" val="detail_2"/>
 </p:tagLst>
 </file>
 
 <file path=ppt/tags/tag123.xml><?xml version="1.0" encoding="utf-8"?>
 <p:tagLst xmlns:a="http://schemas.openxmlformats.org/drawingml/2006/main" xmlns:r="http://schemas.openxmlformats.org/officeDocument/2006/relationships" xmlns:p="http://schemas.openxmlformats.org/presentationml/2006/main">
-  <p:tag name="PLUS_ID" val="detail_1"/>
+  <p:tag name="PLUS_ID" val="detail_3"/>
 </p:tagLst>
 </file>
 
 <file path=ppt/tags/tag124.xml><?xml version="1.0" encoding="utf-8"?>
 <p:tagLst xmlns:a="http://schemas.openxmlformats.org/drawingml/2006/main" xmlns:r="http://schemas.openxmlformats.org/officeDocument/2006/relationships" xmlns:p="http://schemas.openxmlformats.org/presentationml/2006/main">
-  <p:tag name="PLUS_ID" val="header_0"/>
+  <p:tag name="PLUS_ID" val="header_2"/>
 </p:tagLst>
 </file>
 
 <file path=ppt/tags/tag125.xml><?xml version="1.0" encoding="utf-8"?>
 <p:tagLst xmlns:a="http://schemas.openxmlformats.org/drawingml/2006/main" xmlns:r="http://schemas.openxmlformats.org/officeDocument/2006/relationships" xmlns:p="http://schemas.openxmlformats.org/presentationml/2006/main">
-  <p:tag name="PLUS_ID" val="header_1"/>
+  <p:tag name="PLUS_ID" val="header_3"/>
 </p:tagLst>
 </file>
 
 <file path=ppt/tags/tag126.xml><?xml version="1.0" encoding="utf-8"?>
 <p:tagLst xmlns:a="http://schemas.openxmlformats.org/drawingml/2006/main" xmlns:r="http://schemas.openxmlformats.org/officeDocument/2006/relationships" xmlns:p="http://schemas.openxmlformats.org/presentationml/2006/main">
-  <p:tag name="PLUS_ID" val="detail_2"/>
+  <p:tag name="PLUS_ID" val="deliverable_0"/>
 </p:tagLst>
 </file>
 
 <file path=ppt/tags/tag127.xml><?xml version="1.0" encoding="utf-8"?>
 <p:tagLst xmlns:a="http://schemas.openxmlformats.org/drawingml/2006/main" xmlns:r="http://schemas.openxmlformats.org/officeDocument/2006/relationships" xmlns:p="http://schemas.openxmlformats.org/presentationml/2006/main">
-  <p:tag name="PLUS_ID" val="detail_3"/>
+  <p:tag name="PLUS_ID" val="deliverable_1"/>
 </p:tagLst>
 </file>
 
 <file path=ppt/tags/tag128.xml><?xml version="1.0" encoding="utf-8"?>
 <p:tagLst xmlns:a="http://schemas.openxmlformats.org/drawingml/2006/main" xmlns:r="http://schemas.openxmlformats.org/officeDocument/2006/relationships" xmlns:p="http://schemas.openxmlformats.org/presentationml/2006/main">
-  <p:tag name="PLUS_ID" val="header_2"/>
+  <p:tag name="PLUS_ID" val="deliverable_2"/>
 </p:tagLst>
 </file>
 
 <file path=ppt/tags/tag129.xml><?xml version="1.0" encoding="utf-8"?>
 <p:tagLst xmlns:a="http://schemas.openxmlformats.org/drawingml/2006/main" xmlns:r="http://schemas.openxmlformats.org/officeDocument/2006/relationships" xmlns:p="http://schemas.openxmlformats.org/presentationml/2006/main">
-  <p:tag name="PLUS_ID" val="header_3"/>
+  <p:tag name="PLUS_ID" val="deliverable_3"/>
 </p:tagLst>
 </file>
 
@@ -29882,61 +28990,61 @@
 
 <file path=ppt/tags/tag130.xml><?xml version="1.0" encoding="utf-8"?>
 <p:tagLst xmlns:a="http://schemas.openxmlformats.org/drawingml/2006/main" xmlns:r="http://schemas.openxmlformats.org/officeDocument/2006/relationships" xmlns:p="http://schemas.openxmlformats.org/presentationml/2006/main">
-  <p:tag name="PLUS_ID" val="deliverable_0"/>
+  <p:tag name="PLUS_ID" val="logo"/>
 </p:tagLst>
 </file>
 
 <file path=ppt/tags/tag131.xml><?xml version="1.0" encoding="utf-8"?>
 <p:tagLst xmlns:a="http://schemas.openxmlformats.org/drawingml/2006/main" xmlns:r="http://schemas.openxmlformats.org/officeDocument/2006/relationships" xmlns:p="http://schemas.openxmlformats.org/presentationml/2006/main">
-  <p:tag name="PLUS_ID" val="deliverable_1"/>
+  <p:tag name="PLUS_ID" val="chapter"/>
 </p:tagLst>
 </file>
 
 <file path=ppt/tags/tag132.xml><?xml version="1.0" encoding="utf-8"?>
 <p:tagLst xmlns:a="http://schemas.openxmlformats.org/drawingml/2006/main" xmlns:r="http://schemas.openxmlformats.org/officeDocument/2006/relationships" xmlns:p="http://schemas.openxmlformats.org/presentationml/2006/main">
-  <p:tag name="PLUS_ID" val="deliverable_2"/>
+  <p:tag name="PLUS_ID" val="title"/>
 </p:tagLst>
 </file>
 
 <file path=ppt/tags/tag133.xml><?xml version="1.0" encoding="utf-8"?>
 <p:tagLst xmlns:a="http://schemas.openxmlformats.org/drawingml/2006/main" xmlns:r="http://schemas.openxmlformats.org/officeDocument/2006/relationships" xmlns:p="http://schemas.openxmlformats.org/presentationml/2006/main">
-  <p:tag name="PLUS_ID" val="deliverable_3"/>
+  <p:tag name="PLUS_ID" val="detail_0"/>
 </p:tagLst>
 </file>
 
 <file path=ppt/tags/tag134.xml><?xml version="1.0" encoding="utf-8"?>
 <p:tagLst xmlns:a="http://schemas.openxmlformats.org/drawingml/2006/main" xmlns:r="http://schemas.openxmlformats.org/officeDocument/2006/relationships" xmlns:p="http://schemas.openxmlformats.org/presentationml/2006/main">
-  <p:tag name="PLUS_ID" val="logo"/>
+  <p:tag name="PLUS_ID" val="detail_1"/>
 </p:tagLst>
 </file>
 
 <file path=ppt/tags/tag135.xml><?xml version="1.0" encoding="utf-8"?>
 <p:tagLst xmlns:a="http://schemas.openxmlformats.org/drawingml/2006/main" xmlns:r="http://schemas.openxmlformats.org/officeDocument/2006/relationships" xmlns:p="http://schemas.openxmlformats.org/presentationml/2006/main">
-  <p:tag name="PLUS_ID" val="chapter"/>
+  <p:tag name="PLUS_ID" val="detail_2"/>
 </p:tagLst>
 </file>
 
 <file path=ppt/tags/tag136.xml><?xml version="1.0" encoding="utf-8"?>
 <p:tagLst xmlns:a="http://schemas.openxmlformats.org/drawingml/2006/main" xmlns:r="http://schemas.openxmlformats.org/officeDocument/2006/relationships" xmlns:p="http://schemas.openxmlformats.org/presentationml/2006/main">
-  <p:tag name="PLUS_ID" val="title"/>
+  <p:tag name="PLUS_ID" val="header_0"/>
 </p:tagLst>
 </file>
 
 <file path=ppt/tags/tag137.xml><?xml version="1.0" encoding="utf-8"?>
 <p:tagLst xmlns:a="http://schemas.openxmlformats.org/drawingml/2006/main" xmlns:r="http://schemas.openxmlformats.org/officeDocument/2006/relationships" xmlns:p="http://schemas.openxmlformats.org/presentationml/2006/main">
-  <p:tag name="PLUS_ID" val="detail_0"/>
+  <p:tag name="PLUS_ID" val="header_1"/>
 </p:tagLst>
 </file>
 
 <file path=ppt/tags/tag138.xml><?xml version="1.0" encoding="utf-8"?>
 <p:tagLst xmlns:a="http://schemas.openxmlformats.org/drawingml/2006/main" xmlns:r="http://schemas.openxmlformats.org/officeDocument/2006/relationships" xmlns:p="http://schemas.openxmlformats.org/presentationml/2006/main">
-  <p:tag name="PLUS_ID" val="detail_1"/>
+  <p:tag name="PLUS_ID" val="header_2"/>
 </p:tagLst>
 </file>
 
 <file path=ppt/tags/tag139.xml><?xml version="1.0" encoding="utf-8"?>
 <p:tagLst xmlns:a="http://schemas.openxmlformats.org/drawingml/2006/main" xmlns:r="http://schemas.openxmlformats.org/officeDocument/2006/relationships" xmlns:p="http://schemas.openxmlformats.org/presentationml/2006/main">
-  <p:tag name="PLUS_ID" val="detail_2"/>
+  <p:tag name="PLUS_ID" val="detail_3"/>
 </p:tagLst>
 </file>
 
@@ -29948,61 +29056,61 @@
 
 <file path=ppt/tags/tag140.xml><?xml version="1.0" encoding="utf-8"?>
 <p:tagLst xmlns:a="http://schemas.openxmlformats.org/drawingml/2006/main" xmlns:r="http://schemas.openxmlformats.org/officeDocument/2006/relationships" xmlns:p="http://schemas.openxmlformats.org/presentationml/2006/main">
-  <p:tag name="PLUS_ID" val="header_0"/>
+  <p:tag name="PLUS_ID" val="header_3"/>
 </p:tagLst>
 </file>
 
 <file path=ppt/tags/tag141.xml><?xml version="1.0" encoding="utf-8"?>
 <p:tagLst xmlns:a="http://schemas.openxmlformats.org/drawingml/2006/main" xmlns:r="http://schemas.openxmlformats.org/officeDocument/2006/relationships" xmlns:p="http://schemas.openxmlformats.org/presentationml/2006/main">
-  <p:tag name="PLUS_ID" val="header_1"/>
+  <p:tag name="PLUS_ID" val="logo"/>
 </p:tagLst>
 </file>
 
 <file path=ppt/tags/tag142.xml><?xml version="1.0" encoding="utf-8"?>
 <p:tagLst xmlns:a="http://schemas.openxmlformats.org/drawingml/2006/main" xmlns:r="http://schemas.openxmlformats.org/officeDocument/2006/relationships" xmlns:p="http://schemas.openxmlformats.org/presentationml/2006/main">
-  <p:tag name="PLUS_ID" val="header_2"/>
+  <p:tag name="PLUS_ID" val="chapter"/>
 </p:tagLst>
 </file>
 
 <file path=ppt/tags/tag143.xml><?xml version="1.0" encoding="utf-8"?>
 <p:tagLst xmlns:a="http://schemas.openxmlformats.org/drawingml/2006/main" xmlns:r="http://schemas.openxmlformats.org/officeDocument/2006/relationships" xmlns:p="http://schemas.openxmlformats.org/presentationml/2006/main">
-  <p:tag name="PLUS_ID" val="detail_3"/>
+  <p:tag name="PLUS_ID" val="title"/>
 </p:tagLst>
 </file>
 
 <file path=ppt/tags/tag144.xml><?xml version="1.0" encoding="utf-8"?>
 <p:tagLst xmlns:a="http://schemas.openxmlformats.org/drawingml/2006/main" xmlns:r="http://schemas.openxmlformats.org/officeDocument/2006/relationships" xmlns:p="http://schemas.openxmlformats.org/presentationml/2006/main">
-  <p:tag name="PLUS_ID" val="header_3"/>
+  <p:tag name="PLUS_ID" val="detail_0"/>
 </p:tagLst>
 </file>
 
 <file path=ppt/tags/tag145.xml><?xml version="1.0" encoding="utf-8"?>
 <p:tagLst xmlns:a="http://schemas.openxmlformats.org/drawingml/2006/main" xmlns:r="http://schemas.openxmlformats.org/officeDocument/2006/relationships" xmlns:p="http://schemas.openxmlformats.org/presentationml/2006/main">
-  <p:tag name="PLUS_ID" val="logo"/>
+  <p:tag name="PLUS_ID" val="detail_1"/>
 </p:tagLst>
 </file>
 
 <file path=ppt/tags/tag146.xml><?xml version="1.0" encoding="utf-8"?>
 <p:tagLst xmlns:a="http://schemas.openxmlformats.org/drawingml/2006/main" xmlns:r="http://schemas.openxmlformats.org/officeDocument/2006/relationships" xmlns:p="http://schemas.openxmlformats.org/presentationml/2006/main">
-  <p:tag name="PLUS_ID" val="chapter"/>
+  <p:tag name="PLUS_ID" val="detail_2"/>
 </p:tagLst>
 </file>
 
 <file path=ppt/tags/tag147.xml><?xml version="1.0" encoding="utf-8"?>
 <p:tagLst xmlns:a="http://schemas.openxmlformats.org/drawingml/2006/main" xmlns:r="http://schemas.openxmlformats.org/officeDocument/2006/relationships" xmlns:p="http://schemas.openxmlformats.org/presentationml/2006/main">
-  <p:tag name="PLUS_ID" val="title"/>
+  <p:tag name="PLUS_ID" val="header_0"/>
 </p:tagLst>
 </file>
 
 <file path=ppt/tags/tag148.xml><?xml version="1.0" encoding="utf-8"?>
 <p:tagLst xmlns:a="http://schemas.openxmlformats.org/drawingml/2006/main" xmlns:r="http://schemas.openxmlformats.org/officeDocument/2006/relationships" xmlns:p="http://schemas.openxmlformats.org/presentationml/2006/main">
-  <p:tag name="PLUS_ID" val="detail_0"/>
+  <p:tag name="PLUS_ID" val="header_1"/>
 </p:tagLst>
 </file>
 
 <file path=ppt/tags/tag149.xml><?xml version="1.0" encoding="utf-8"?>
 <p:tagLst xmlns:a="http://schemas.openxmlformats.org/drawingml/2006/main" xmlns:r="http://schemas.openxmlformats.org/officeDocument/2006/relationships" xmlns:p="http://schemas.openxmlformats.org/presentationml/2006/main">
-  <p:tag name="PLUS_ID" val="detail_1"/>
+  <p:tag name="PLUS_ID" val="header_2"/>
 </p:tagLst>
 </file>
 
@@ -30013,30 +29121,6 @@
 </file>
 
 <file path=ppt/tags/tag150.xml><?xml version="1.0" encoding="utf-8"?>
-<p:tagLst xmlns:a="http://schemas.openxmlformats.org/drawingml/2006/main" xmlns:r="http://schemas.openxmlformats.org/officeDocument/2006/relationships" xmlns:p="http://schemas.openxmlformats.org/presentationml/2006/main">
-  <p:tag name="PLUS_ID" val="detail_2"/>
-</p:tagLst>
-</file>
-
-<file path=ppt/tags/tag151.xml><?xml version="1.0" encoding="utf-8"?>
-<p:tagLst xmlns:a="http://schemas.openxmlformats.org/drawingml/2006/main" xmlns:r="http://schemas.openxmlformats.org/officeDocument/2006/relationships" xmlns:p="http://schemas.openxmlformats.org/presentationml/2006/main">
-  <p:tag name="PLUS_ID" val="header_0"/>
-</p:tagLst>
-</file>
-
-<file path=ppt/tags/tag152.xml><?xml version="1.0" encoding="utf-8"?>
-<p:tagLst xmlns:a="http://schemas.openxmlformats.org/drawingml/2006/main" xmlns:r="http://schemas.openxmlformats.org/officeDocument/2006/relationships" xmlns:p="http://schemas.openxmlformats.org/presentationml/2006/main">
-  <p:tag name="PLUS_ID" val="header_1"/>
-</p:tagLst>
-</file>
-
-<file path=ppt/tags/tag153.xml><?xml version="1.0" encoding="utf-8"?>
-<p:tagLst xmlns:a="http://schemas.openxmlformats.org/drawingml/2006/main" xmlns:r="http://schemas.openxmlformats.org/officeDocument/2006/relationships" xmlns:p="http://schemas.openxmlformats.org/presentationml/2006/main">
-  <p:tag name="PLUS_ID" val="header_2"/>
-</p:tagLst>
-</file>
-
-<file path=ppt/tags/tag154.xml><?xml version="1.0" encoding="utf-8"?>
 <p:tagLst xmlns:a="http://schemas.openxmlformats.org/drawingml/2006/main" xmlns:r="http://schemas.openxmlformats.org/officeDocument/2006/relationships" xmlns:p="http://schemas.openxmlformats.org/presentationml/2006/main">
   <p:tag name="PLUS_ID" val="logo"/>
 </p:tagLst>
@@ -30521,13 +29605,13 @@
 
 <file path=ppt/tags/tag88.xml><?xml version="1.0" encoding="utf-8"?>
 <p:tagLst xmlns:a="http://schemas.openxmlformats.org/drawingml/2006/main" xmlns:r="http://schemas.openxmlformats.org/officeDocument/2006/relationships" xmlns:p="http://schemas.openxmlformats.org/presentationml/2006/main">
-  <p:tag name="PLUS_ID" val="deliverable_0"/>
+  <p:tag name="PLUS_ID" val="logo"/>
 </p:tagLst>
 </file>
 
 <file path=ppt/tags/tag89.xml><?xml version="1.0" encoding="utf-8"?>
 <p:tagLst xmlns:a="http://schemas.openxmlformats.org/drawingml/2006/main" xmlns:r="http://schemas.openxmlformats.org/officeDocument/2006/relationships" xmlns:p="http://schemas.openxmlformats.org/presentationml/2006/main">
-  <p:tag name="PLUS_ID" val="deliverable_1"/>
+  <p:tag name="PLUS_ID" val="chapter"/>
 </p:tagLst>
 </file>
 
@@ -30539,61 +29623,61 @@
 
 <file path=ppt/tags/tag90.xml><?xml version="1.0" encoding="utf-8"?>
 <p:tagLst xmlns:a="http://schemas.openxmlformats.org/drawingml/2006/main" xmlns:r="http://schemas.openxmlformats.org/officeDocument/2006/relationships" xmlns:p="http://schemas.openxmlformats.org/presentationml/2006/main">
-  <p:tag name="PLUS_ID" val="deliverable_2"/>
+  <p:tag name="PLUS_ID" val="title"/>
 </p:tagLst>
 </file>
 
 <file path=ppt/tags/tag91.xml><?xml version="1.0" encoding="utf-8"?>
 <p:tagLst xmlns:a="http://schemas.openxmlformats.org/drawingml/2006/main" xmlns:r="http://schemas.openxmlformats.org/officeDocument/2006/relationships" xmlns:p="http://schemas.openxmlformats.org/presentationml/2006/main">
-  <p:tag name="PLUS_ID" val="deliverable_3"/>
+  <p:tag name="PLUS_ID" val="detail_0"/>
 </p:tagLst>
 </file>
 
 <file path=ppt/tags/tag92.xml><?xml version="1.0" encoding="utf-8"?>
 <p:tagLst xmlns:a="http://schemas.openxmlformats.org/drawingml/2006/main" xmlns:r="http://schemas.openxmlformats.org/officeDocument/2006/relationships" xmlns:p="http://schemas.openxmlformats.org/presentationml/2006/main">
-  <p:tag name="PLUS_ID" val="logo"/>
+  <p:tag name="PLUS_ID" val="detail_1"/>
 </p:tagLst>
 </file>
 
 <file path=ppt/tags/tag93.xml><?xml version="1.0" encoding="utf-8"?>
 <p:tagLst xmlns:a="http://schemas.openxmlformats.org/drawingml/2006/main" xmlns:r="http://schemas.openxmlformats.org/officeDocument/2006/relationships" xmlns:p="http://schemas.openxmlformats.org/presentationml/2006/main">
-  <p:tag name="PLUS_ID" val="chapter"/>
+  <p:tag name="PLUS_ID" val="detail_2"/>
 </p:tagLst>
 </file>
 
 <file path=ppt/tags/tag94.xml><?xml version="1.0" encoding="utf-8"?>
 <p:tagLst xmlns:a="http://schemas.openxmlformats.org/drawingml/2006/main" xmlns:r="http://schemas.openxmlformats.org/officeDocument/2006/relationships" xmlns:p="http://schemas.openxmlformats.org/presentationml/2006/main">
-  <p:tag name="PLUS_ID" val="title"/>
+  <p:tag name="PLUS_ID" val="header_0"/>
 </p:tagLst>
 </file>
 
 <file path=ppt/tags/tag95.xml><?xml version="1.0" encoding="utf-8"?>
 <p:tagLst xmlns:a="http://schemas.openxmlformats.org/drawingml/2006/main" xmlns:r="http://schemas.openxmlformats.org/officeDocument/2006/relationships" xmlns:p="http://schemas.openxmlformats.org/presentationml/2006/main">
-  <p:tag name="PLUS_ID" val="detail_0"/>
+  <p:tag name="PLUS_ID" val="header_1"/>
 </p:tagLst>
 </file>
 
 <file path=ppt/tags/tag96.xml><?xml version="1.0" encoding="utf-8"?>
 <p:tagLst xmlns:a="http://schemas.openxmlformats.org/drawingml/2006/main" xmlns:r="http://schemas.openxmlformats.org/officeDocument/2006/relationships" xmlns:p="http://schemas.openxmlformats.org/presentationml/2006/main">
-  <p:tag name="PLUS_ID" val="detail_1"/>
+  <p:tag name="PLUS_ID" val="header_2"/>
 </p:tagLst>
 </file>
 
 <file path=ppt/tags/tag97.xml><?xml version="1.0" encoding="utf-8"?>
 <p:tagLst xmlns:a="http://schemas.openxmlformats.org/drawingml/2006/main" xmlns:r="http://schemas.openxmlformats.org/officeDocument/2006/relationships" xmlns:p="http://schemas.openxmlformats.org/presentationml/2006/main">
-  <p:tag name="PLUS_ID" val="detail_2"/>
+  <p:tag name="PLUS_ID" val="logo"/>
 </p:tagLst>
 </file>
 
 <file path=ppt/tags/tag98.xml><?xml version="1.0" encoding="utf-8"?>
 <p:tagLst xmlns:a="http://schemas.openxmlformats.org/drawingml/2006/main" xmlns:r="http://schemas.openxmlformats.org/officeDocument/2006/relationships" xmlns:p="http://schemas.openxmlformats.org/presentationml/2006/main">
-  <p:tag name="PLUS_ID" val="header_0"/>
+  <p:tag name="PLUS_ID" val="chapter"/>
 </p:tagLst>
 </file>
 
 <file path=ppt/tags/tag99.xml><?xml version="1.0" encoding="utf-8"?>
 <p:tagLst xmlns:a="http://schemas.openxmlformats.org/drawingml/2006/main" xmlns:r="http://schemas.openxmlformats.org/officeDocument/2006/relationships" xmlns:p="http://schemas.openxmlformats.org/presentationml/2006/main">
-  <p:tag name="PLUS_ID" val="header_1"/>
+  <p:tag name="PLUS_ID" val="title"/>
 </p:tagLst>
 </file>
 
